--- a/Assignment_presentation_NB_V2.pptx
+++ b/Assignment_presentation_NB_V2.pptx
@@ -210,7 +210,7 @@
           <a:p>
             <a:fld id="{22758C3C-1473-42DE-A620-C66E6855DF69}" type="datetimeFigureOut">
               <a:rPr lang="en-IN" smtClean="0"/>
-              <a:t>24-02-2022</a:t>
+              <a:t>27-02-2022</a:t>
             </a:fld>
             <a:endParaRPr lang="en-IN"/>
           </a:p>
@@ -1129,7 +1129,7 @@
           <a:p>
             <a:fld id="{4499D903-E3D3-4E0E-80E3-613F2EE07397}" type="datetimeFigureOut">
               <a:rPr lang="en-IN" smtClean="0"/>
-              <a:t>24-02-2022</a:t>
+              <a:t>27-02-2022</a:t>
             </a:fld>
             <a:endParaRPr lang="en-IN"/>
           </a:p>
@@ -1391,7 +1391,7 @@
           <a:graphicData uri="http://schemas.openxmlformats.org/presentationml/2006/ole">
             <mc:AlternateContent xmlns:mc="http://schemas.openxmlformats.org/markup-compatibility/2006">
               <mc:Choice xmlns:v="urn:schemas-microsoft-com:vml" Requires="v">
-                <p:oleObj spid="_x0000_s2139" name="think-cell Slide" r:id="rId35" imgW="216" imgH="216" progId="TCLayout.ActiveDocument.1">
+                <p:oleObj spid="_x0000_s2153" name="think-cell Slide" r:id="rId35" imgW="216" imgH="216" progId="TCLayout.ActiveDocument.1">
                   <p:embed/>
                 </p:oleObj>
               </mc:Choice>
@@ -4432,7 +4432,7 @@
             </a:br>
             <a:r>
               <a:rPr lang="en-IN" sz="2000" b="0" dirty="0"/>
-              <a:t>Started with 70% recall and reached to 93% recall</a:t>
+              <a:t>Started with 70% recall and reached to 98% recall</a:t>
             </a:r>
             <a:endParaRPr lang="en-IN" b="0" dirty="0"/>
           </a:p>
@@ -4453,7 +4453,7 @@
         <p:spPr>
           <a:xfrm>
             <a:off x="926607" y="1616306"/>
-            <a:ext cx="9160669" cy="3642023"/>
+            <a:ext cx="9160669" cy="4172937"/>
           </a:xfrm>
           <a:prstGeom prst="rect">
             <a:avLst/>
@@ -4728,6 +4728,55 @@
               <a:t> to optimize imbalanced class errors</a:t>
             </a:r>
           </a:p>
+          <a:p>
+            <a:pPr marL="285750" indent="-285750" defTabSz="914367" fontAlgn="base">
+              <a:lnSpc>
+                <a:spcPct val="150000"/>
+              </a:lnSpc>
+              <a:spcBef>
+                <a:spcPts val="900"/>
+              </a:spcBef>
+              <a:spcAft>
+                <a:spcPct val="0"/>
+              </a:spcAft>
+              <a:buClr>
+                <a:schemeClr val="accent1"/>
+              </a:buClr>
+              <a:buSzPct val="120000"/>
+              <a:buFont typeface="Wingdings" panose="05000000000000000000" pitchFamily="2" charset="2"/>
+              <a:buChar char="Ø"/>
+            </a:pPr>
+            <a:r>
+              <a:rPr lang="en-IN" dirty="0">
+                <a:solidFill>
+                  <a:srgbClr val="00646E"/>
+                </a:solidFill>
+                <a:latin typeface="Arial" pitchFamily="34" charset="0"/>
+                <a:ea typeface="ＭＳ Ｐゴシック" charset="-128"/>
+              </a:rPr>
+              <a:t>Used </a:t>
+            </a:r>
+            <a:r>
+              <a:rPr lang="en-IN" dirty="0" err="1">
+                <a:solidFill>
+                  <a:srgbClr val="00646E"/>
+                </a:solidFill>
+                <a:latin typeface="Arial" pitchFamily="34" charset="0"/>
+                <a:ea typeface="ＭＳ Ｐゴシック" charset="-128"/>
+              </a:rPr>
+              <a:t>Xgboost</a:t>
+            </a:r>
+            <a:r>
+              <a:rPr lang="en-IN" dirty="0">
+                <a:solidFill>
+                  <a:srgbClr val="00646E"/>
+                </a:solidFill>
+                <a:latin typeface="Arial" pitchFamily="34" charset="0"/>
+                <a:ea typeface="ＭＳ Ｐゴシック" charset="-128"/>
+              </a:rPr>
+              <a:t> to take care of missing values using the sparsity aware matrices</a:t>
+            </a:r>
+          </a:p>
         </p:txBody>
       </p:sp>
     </p:spTree>
@@ -4780,7 +4829,7 @@
           <a:graphicData uri="http://schemas.openxmlformats.org/presentationml/2006/ole">
             <mc:AlternateContent xmlns:mc="http://schemas.openxmlformats.org/markup-compatibility/2006">
               <mc:Choice xmlns:v="urn:schemas-microsoft-com:vml" Requires="v">
-                <p:oleObj spid="_x0000_s9308" name="think-cell Slide" r:id="rId5" imgW="360" imgH="360" progId="TCLayout.ActiveDocument.1">
+                <p:oleObj spid="_x0000_s9329" name="think-cell Slide" r:id="rId5" imgW="360" imgH="360" progId="TCLayout.ActiveDocument.1">
                   <p:embed/>
                 </p:oleObj>
               </mc:Choice>
@@ -5127,10 +5176,10 @@
       </p:sp>
       <p:pic>
         <p:nvPicPr>
-          <p:cNvPr id="9299" name="Picture 83">
+          <p:cNvPr id="9313" name="Picture 97">
             <a:extLst>
               <a:ext uri="{FF2B5EF4-FFF2-40B4-BE49-F238E27FC236}">
-                <a16:creationId xmlns:a16="http://schemas.microsoft.com/office/drawing/2014/main" id="{4FBC4EE4-1960-4B41-A1A0-AC4539A5B13E}"/>
+                <a16:creationId xmlns:a16="http://schemas.microsoft.com/office/drawing/2014/main" id="{8FDC4959-B193-49E0-84E0-70A010D9E67D}"/>
               </a:ext>
             </a:extLst>
           </p:cNvPr>
@@ -5154,8 +5203,8 @@
         </p:blipFill>
         <p:spPr bwMode="auto">
           <a:xfrm>
-            <a:off x="745456" y="979791"/>
-            <a:ext cx="4982244" cy="3471219"/>
+            <a:off x="745456" y="1371240"/>
+            <a:ext cx="5526476" cy="2780053"/>
           </a:xfrm>
           <a:prstGeom prst="rect">
             <a:avLst/>
@@ -5174,10 +5223,10 @@
       </p:pic>
       <p:pic>
         <p:nvPicPr>
-          <p:cNvPr id="9303" name="Picture 87">
+          <p:cNvPr id="9318" name="Picture 102">
             <a:extLst>
               <a:ext uri="{FF2B5EF4-FFF2-40B4-BE49-F238E27FC236}">
-                <a16:creationId xmlns:a16="http://schemas.microsoft.com/office/drawing/2014/main" id="{CFE8B6E6-FFA1-4D80-A9D7-D5ED395D2AC8}"/>
+                <a16:creationId xmlns:a16="http://schemas.microsoft.com/office/drawing/2014/main" id="{65D082C6-810A-4B1A-BBDA-586FD44974B8}"/>
               </a:ext>
             </a:extLst>
           </p:cNvPr>
@@ -5201,8 +5250,8 @@
         </p:blipFill>
         <p:spPr bwMode="auto">
           <a:xfrm>
-            <a:off x="6464302" y="979790"/>
-            <a:ext cx="4711698" cy="3393399"/>
+            <a:off x="6917549" y="1371239"/>
+            <a:ext cx="4011708" cy="2889261"/>
           </a:xfrm>
           <a:prstGeom prst="rect">
             <a:avLst/>
@@ -5269,7 +5318,7 @@
           <a:graphicData uri="http://schemas.openxmlformats.org/presentationml/2006/ole">
             <mc:AlternateContent xmlns:mc="http://schemas.openxmlformats.org/markup-compatibility/2006">
               <mc:Choice xmlns:v="urn:schemas-microsoft-com:vml" Requires="v">
-                <p:oleObj spid="_x0000_s14349" name="think-cell Slide" r:id="rId5" imgW="360" imgH="360" progId="TCLayout.ActiveDocument.1">
+                <p:oleObj spid="_x0000_s14366" name="think-cell Slide" r:id="rId5" imgW="360" imgH="360" progId="TCLayout.ActiveDocument.1">
                   <p:embed/>
                 </p:oleObj>
               </mc:Choice>
@@ -5753,7 +5802,7 @@
           <a:graphicData uri="http://schemas.openxmlformats.org/presentationml/2006/ole">
             <mc:AlternateContent xmlns:mc="http://schemas.openxmlformats.org/markup-compatibility/2006">
               <mc:Choice xmlns:v="urn:schemas-microsoft-com:vml" Requires="v">
-                <p:oleObj spid="_x0000_s12357" name="think-cell Slide" r:id="rId6" imgW="360" imgH="360" progId="TCLayout.ActiveDocument.1">
+                <p:oleObj spid="_x0000_s12371" name="think-cell Slide" r:id="rId6" imgW="360" imgH="360" progId="TCLayout.ActiveDocument.1">
                   <p:embed/>
                 </p:oleObj>
               </mc:Choice>
@@ -26536,7 +26585,7 @@
           <a:graphicData uri="http://schemas.openxmlformats.org/presentationml/2006/ole">
             <mc:AlternateContent xmlns:mc="http://schemas.openxmlformats.org/markup-compatibility/2006">
               <mc:Choice xmlns:v="urn:schemas-microsoft-com:vml" Requires="v">
-                <p:oleObj spid="_x0000_s3163" name="think-cell Slide" r:id="rId5" imgW="360" imgH="360" progId="TCLayout.ActiveDocument.1">
+                <p:oleObj spid="_x0000_s3177" name="think-cell Slide" r:id="rId5" imgW="360" imgH="360" progId="TCLayout.ActiveDocument.1">
                   <p:embed/>
                 </p:oleObj>
               </mc:Choice>
@@ -27290,7 +27339,7 @@
           <a:graphicData uri="http://schemas.openxmlformats.org/presentationml/2006/ole">
             <mc:AlternateContent xmlns:mc="http://schemas.openxmlformats.org/markup-compatibility/2006">
               <mc:Choice xmlns:v="urn:schemas-microsoft-com:vml" Requires="v">
-                <p:oleObj spid="_x0000_s8283" name="think-cell Slide" r:id="rId5" imgW="360" imgH="360" progId="TCLayout.ActiveDocument.1">
+                <p:oleObj spid="_x0000_s8297" name="think-cell Slide" r:id="rId5" imgW="360" imgH="360" progId="TCLayout.ActiveDocument.1">
                   <p:embed/>
                 </p:oleObj>
               </mc:Choice>
@@ -27930,7 +27979,7 @@
           <a:graphicData uri="http://schemas.openxmlformats.org/presentationml/2006/ole">
             <mc:AlternateContent xmlns:mc="http://schemas.openxmlformats.org/markup-compatibility/2006">
               <mc:Choice xmlns:v="urn:schemas-microsoft-com:vml" Requires="v">
-                <p:oleObj spid="_x0000_s13370" name="think-cell Slide" r:id="rId5" imgW="360" imgH="360" progId="TCLayout.ActiveDocument.1">
+                <p:oleObj spid="_x0000_s13384" name="think-cell Slide" r:id="rId5" imgW="360" imgH="360" progId="TCLayout.ActiveDocument.1">
                   <p:embed/>
                 </p:oleObj>
               </mc:Choice>
@@ -30112,7 +30161,7 @@
           <a:graphicData uri="http://schemas.openxmlformats.org/presentationml/2006/ole">
             <mc:AlternateContent xmlns:mc="http://schemas.openxmlformats.org/markup-compatibility/2006">
               <mc:Choice xmlns:v="urn:schemas-microsoft-com:vml" Requires="v">
-                <p:oleObj spid="_x0000_s4187" name="think-cell Slide" r:id="rId5" imgW="360" imgH="360" progId="TCLayout.ActiveDocument.1">
+                <p:oleObj spid="_x0000_s4201" name="think-cell Slide" r:id="rId5" imgW="360" imgH="360" progId="TCLayout.ActiveDocument.1">
                   <p:embed/>
                 </p:oleObj>
               </mc:Choice>
@@ -30687,7 +30736,7 @@
           <a:graphicData uri="http://schemas.openxmlformats.org/presentationml/2006/ole">
             <mc:AlternateContent xmlns:mc="http://schemas.openxmlformats.org/markup-compatibility/2006">
               <mc:Choice xmlns:v="urn:schemas-microsoft-com:vml" Requires="v">
-                <p:oleObj spid="_x0000_s5211" name="think-cell Slide" r:id="rId5" imgW="360" imgH="360" progId="TCLayout.ActiveDocument.1">
+                <p:oleObj spid="_x0000_s5225" name="think-cell Slide" r:id="rId5" imgW="360" imgH="360" progId="TCLayout.ActiveDocument.1">
                   <p:embed/>
                 </p:oleObj>
               </mc:Choice>
@@ -30876,7 +30925,7 @@
                 <a:spcPts val="0"/>
               </a:spcBef>
             </a:pPr>
-            <a:endParaRPr lang="en-IN" sz="1200">
+            <a:endParaRPr lang="en-IN" sz="1400">
               <a:solidFill>
                 <a:schemeClr val="tx1"/>
               </a:solidFill>
@@ -30964,7 +31013,7 @@
         </p:nvSpPr>
         <p:spPr>
           <a:xfrm>
-            <a:off x="479431" y="3054503"/>
+            <a:off x="731849" y="2891584"/>
             <a:ext cx="1123078" cy="408220"/>
           </a:xfrm>
           <a:prstGeom prst="rect">
@@ -30987,7 +31036,7 @@
               </a:spcBef>
             </a:pPr>
             <a:r>
-              <a:rPr lang="en-US" sz="1200" dirty="0">
+              <a:rPr lang="en-US" sz="1400" dirty="0">
                 <a:solidFill>
                   <a:srgbClr val="0F8287"/>
                 </a:solidFill>
@@ -30997,7 +31046,7 @@
               </a:rPr>
               <a:t>Mortgage Data</a:t>
             </a:r>
-            <a:endParaRPr lang="en-IN" sz="1200" dirty="0">
+            <a:endParaRPr lang="en-IN" sz="1400" dirty="0">
               <a:solidFill>
                 <a:srgbClr val="0F8287"/>
               </a:solidFill>
@@ -31120,7 +31169,7 @@
               <a:buNone/>
             </a:pPr>
             <a:r>
-              <a:rPr lang="en-US" sz="1100" dirty="0">
+              <a:rPr lang="en-US" sz="1200" dirty="0">
                 <a:solidFill>
                   <a:srgbClr val="0F8287"/>
                 </a:solidFill>
@@ -31129,7 +31178,7 @@
               </a:rPr>
               <a:t>Data Cleaning and Aggregation</a:t>
             </a:r>
-            <a:endParaRPr lang="en-US" sz="1100" dirty="0">
+            <a:endParaRPr lang="en-US" sz="1200" dirty="0">
               <a:solidFill>
                 <a:srgbClr val="0F8287"/>
               </a:solidFill>
@@ -31252,7 +31301,7 @@
               <a:buNone/>
             </a:pPr>
             <a:r>
-              <a:rPr lang="en-US" sz="1100" dirty="0">
+              <a:rPr lang="en-US" sz="1200" dirty="0">
                 <a:solidFill>
                   <a:srgbClr val="0F8287"/>
                 </a:solidFill>
@@ -31376,14 +31425,14 @@
               <a:buNone/>
             </a:pPr>
             <a:r>
-              <a:rPr lang="en-US" sz="1100" dirty="0">
+              <a:rPr lang="en-US" sz="1200" dirty="0">
                 <a:solidFill>
                   <a:srgbClr val="0F8287"/>
                 </a:solidFill>
                 <a:ea typeface="Arial Unicode MS" panose="020B0604020202020204" pitchFamily="34" charset="-128"/>
                 <a:cs typeface="Arial Unicode MS" panose="020B0604020202020204" pitchFamily="34" charset="-128"/>
               </a:rPr>
-              <a:t>Treatments for outliers, missing and dummy creation</a:t>
+              <a:t>Treatments for outliers &amp; dummy creation</a:t>
             </a:r>
           </a:p>
         </p:txBody>
@@ -31500,7 +31549,7 @@
               <a:buNone/>
             </a:pPr>
             <a:r>
-              <a:rPr lang="en-US" sz="1100" dirty="0">
+              <a:rPr lang="en-US" sz="1200" dirty="0">
                 <a:solidFill>
                   <a:srgbClr val="0F8287"/>
                 </a:solidFill>
@@ -31624,7 +31673,7 @@
               <a:buNone/>
             </a:pPr>
             <a:r>
-              <a:rPr lang="en-US" sz="1100" dirty="0">
+              <a:rPr lang="en-US" sz="1200" dirty="0">
                 <a:solidFill>
                   <a:srgbClr val="0F8287"/>
                 </a:solidFill>
@@ -31686,7 +31735,7 @@
               </a:spcBef>
             </a:pPr>
             <a:r>
-              <a:rPr lang="en-US" sz="1200" b="1" dirty="0">
+              <a:rPr lang="en-US" sz="1400" b="1" dirty="0">
                 <a:solidFill>
                   <a:srgbClr val="0F8287"/>
                 </a:solidFill>
@@ -31696,7 +31745,7 @@
               </a:rPr>
               <a:t>Final Model selection</a:t>
             </a:r>
-            <a:endParaRPr lang="en-IN" sz="1200" b="1" dirty="0">
+            <a:endParaRPr lang="en-IN" sz="1400" b="1" dirty="0">
               <a:solidFill>
                 <a:srgbClr val="0F8287"/>
               </a:solidFill>
@@ -31744,7 +31793,7 @@
               </a:spcBef>
             </a:pPr>
             <a:r>
-              <a:rPr lang="en-US" sz="1800">
+              <a:rPr lang="en-US" sz="2000">
                 <a:solidFill>
                   <a:schemeClr val="accent3">
                     <a:lumMod val="75000"/>
@@ -31756,7 +31805,7 @@
               </a:rPr>
               <a:t>Iterative process until optimized solution is reached</a:t>
             </a:r>
-            <a:endParaRPr lang="en-IN" sz="1800">
+            <a:endParaRPr lang="en-IN" sz="2000">
               <a:solidFill>
                 <a:schemeClr val="accent3">
                   <a:lumMod val="75000"/>
@@ -32077,7 +32126,7 @@
         </p:nvSpPr>
         <p:spPr>
           <a:xfrm>
-            <a:off x="488715" y="1526862"/>
+            <a:off x="548389" y="1352509"/>
             <a:ext cx="1123078" cy="408220"/>
           </a:xfrm>
           <a:prstGeom prst="rect">
@@ -32100,7 +32149,7 @@
               </a:spcBef>
             </a:pPr>
             <a:r>
-              <a:rPr lang="en-US" sz="1200" dirty="0">
+              <a:rPr lang="en-US" sz="1400" dirty="0">
                 <a:solidFill>
                   <a:srgbClr val="0F8287"/>
                 </a:solidFill>
@@ -32110,7 +32159,7 @@
               </a:rPr>
               <a:t>Campaign Data</a:t>
             </a:r>
-            <a:endParaRPr lang="en-IN" sz="1200" dirty="0">
+            <a:endParaRPr lang="en-IN" sz="1400" dirty="0">
               <a:solidFill>
                 <a:srgbClr val="0F8287"/>
               </a:solidFill>
@@ -32138,7 +32187,7 @@
         </p:nvCxnSpPr>
         <p:spPr bwMode="auto">
           <a:xfrm rot="16200000" flipH="1">
-            <a:off x="1562249" y="1423086"/>
+            <a:off x="1621923" y="1248733"/>
             <a:ext cx="55579" cy="1079569"/>
           </a:xfrm>
           <a:prstGeom prst="bentConnector2">
@@ -32223,7 +32272,7 @@
           <p:nvPr>
             <p:extLst>
               <p:ext uri="{D42A27DB-BD31-4B8C-83A1-F6EECF244321}">
-                <p14:modId xmlns:p14="http://schemas.microsoft.com/office/powerpoint/2010/main" val="1563481635"/>
+                <p14:modId xmlns:p14="http://schemas.microsoft.com/office/powerpoint/2010/main" val="820200382"/>
               </p:ext>
             </p:extLst>
           </p:nvPr>
@@ -32326,7 +32375,7 @@
                       <a:pPr algn="ctr"/>
                       <a:r>
                         <a:rPr lang="en-IN" sz="1200" dirty="0"/>
-                        <a:t>Missing records with other data</a:t>
+                        <a:t>Campaign responders</a:t>
                       </a:r>
                     </a:p>
                   </a:txBody>
@@ -32340,7 +32389,15 @@
                       <a:pPr algn="ctr"/>
                       <a:r>
                         <a:rPr lang="en-IN" sz="1200" dirty="0"/>
-                        <a:t>Unique records post deduplication</a:t>
+                        <a:t>Unique records post merging and </a:t>
+                      </a:r>
+                      <a:r>
+                        <a:rPr lang="en-IN" sz="1200" dirty="0" err="1"/>
+                        <a:t>dedupliacation</a:t>
+                      </a:r>
+                      <a:r>
+                        <a:rPr lang="en-IN" sz="1200" dirty="0"/>
+                        <a:t> with mortgage</a:t>
                       </a:r>
                     </a:p>
                   </a:txBody>
@@ -32419,7 +32476,7 @@
                       </a:pPr>
                       <a:r>
                         <a:rPr lang="en-IN" sz="1200" dirty="0"/>
-                        <a:t>3,351</a:t>
+                        <a:t>3,027</a:t>
                       </a:r>
                     </a:p>
                   </a:txBody>
@@ -32449,7 +32506,7 @@
                       </a:pPr>
                       <a:r>
                         <a:rPr lang="en-IN" sz="1200" dirty="0"/>
-                        <a:t>26,099</a:t>
+                        <a:t>2,909</a:t>
                       </a:r>
                     </a:p>
                   </a:txBody>
@@ -32528,7 +32585,7 @@
                       </a:pPr>
                       <a:r>
                         <a:rPr lang="en-IN" sz="1200" dirty="0"/>
-                        <a:t>3,742</a:t>
+                        <a:t>NA</a:t>
                       </a:r>
                     </a:p>
                   </a:txBody>
@@ -32558,7 +32615,7 @@
                       </a:pPr>
                       <a:r>
                         <a:rPr lang="en-IN" sz="1200" dirty="0"/>
-                        <a:t>25,977</a:t>
+                        <a:t>31,096</a:t>
                       </a:r>
                     </a:p>
                   </a:txBody>
@@ -32624,7 +32681,7 @@
           <a:graphicData uri="http://schemas.openxmlformats.org/presentationml/2006/ole">
             <mc:AlternateContent xmlns:mc="http://schemas.openxmlformats.org/markup-compatibility/2006">
               <mc:Choice xmlns:v="urn:schemas-microsoft-com:vml" Requires="v">
-                <p:oleObj spid="_x0000_s7259" name="think-cell Slide" r:id="rId5" imgW="360" imgH="360" progId="TCLayout.ActiveDocument.1">
+                <p:oleObj spid="_x0000_s7273" name="think-cell Slide" r:id="rId5" imgW="360" imgH="360" progId="TCLayout.ActiveDocument.1">
                   <p:embed/>
                 </p:oleObj>
               </mc:Choice>
@@ -33243,7 +33300,7 @@
           <a:graphicData uri="http://schemas.openxmlformats.org/presentationml/2006/ole">
             <mc:AlternateContent xmlns:mc="http://schemas.openxmlformats.org/markup-compatibility/2006">
               <mc:Choice xmlns:v="urn:schemas-microsoft-com:vml" Requires="v">
-                <p:oleObj spid="_x0000_s6253" name="think-cell Slide" r:id="rId5" imgW="360" imgH="360" progId="TCLayout.ActiveDocument.1">
+                <p:oleObj spid="_x0000_s6269" name="think-cell Slide" r:id="rId5" imgW="360" imgH="360" progId="TCLayout.ActiveDocument.1">
                   <p:embed/>
                 </p:oleObj>
               </mc:Choice>
@@ -34357,17 +34414,17 @@
                 <a:latin typeface="Arial" pitchFamily="34" charset="0"/>
                 <a:ea typeface="ＭＳ Ｐゴシック" charset="-128"/>
               </a:rPr>
-              <a:t>AUC: 0.96   Precision: 0.84    Recall: 0.93</a:t>
+              <a:t>AUC: 0.96   Precision: 0.79    Recall: 0.98</a:t>
             </a:r>
           </a:p>
         </p:txBody>
       </p:sp>
       <p:pic>
         <p:nvPicPr>
-          <p:cNvPr id="6240" name="Picture 96">
+          <p:cNvPr id="6242" name="Picture 98">
             <a:extLst>
               <a:ext uri="{FF2B5EF4-FFF2-40B4-BE49-F238E27FC236}">
-                <a16:creationId xmlns:a16="http://schemas.microsoft.com/office/drawing/2014/main" id="{F3AB5FAD-AC91-4A8E-B603-174FE7B811E9}"/>
+                <a16:creationId xmlns:a16="http://schemas.microsoft.com/office/drawing/2014/main" id="{8E22E935-28B2-491D-BF99-164E3A2B1AAB}"/>
               </a:ext>
             </a:extLst>
           </p:cNvPr>
@@ -34391,8 +34448,8 @@
         </p:blipFill>
         <p:spPr bwMode="auto">
           <a:xfrm>
-            <a:off x="1132973" y="2181224"/>
-            <a:ext cx="4317331" cy="3625451"/>
+            <a:off x="6711183" y="2066744"/>
+            <a:ext cx="4347843" cy="3651073"/>
           </a:xfrm>
           <a:prstGeom prst="rect">
             <a:avLst/>
@@ -34411,10 +34468,10 @@
       </p:pic>
       <p:pic>
         <p:nvPicPr>
-          <p:cNvPr id="6242" name="Picture 98">
+          <p:cNvPr id="6255" name="Picture 111">
             <a:extLst>
               <a:ext uri="{FF2B5EF4-FFF2-40B4-BE49-F238E27FC236}">
-                <a16:creationId xmlns:a16="http://schemas.microsoft.com/office/drawing/2014/main" id="{8E22E935-28B2-491D-BF99-164E3A2B1AAB}"/>
+                <a16:creationId xmlns:a16="http://schemas.microsoft.com/office/drawing/2014/main" id="{39B39380-2D2F-422A-8DF2-5528C8A50B7F}"/>
               </a:ext>
             </a:extLst>
           </p:cNvPr>
@@ -34438,8 +34495,8 @@
         </p:blipFill>
         <p:spPr bwMode="auto">
           <a:xfrm>
-            <a:off x="6711183" y="2066744"/>
-            <a:ext cx="4347843" cy="3651073"/>
+            <a:off x="990600" y="2181225"/>
+            <a:ext cx="4217020" cy="3541216"/>
           </a:xfrm>
           <a:prstGeom prst="rect">
             <a:avLst/>
@@ -34521,7 +34578,7 @@
             </a:br>
             <a:r>
               <a:rPr lang="en-IN" dirty="0"/>
-              <a:t>XG boost has a slightly better recall at 0.93</a:t>
+              <a:t>XG boost has a slightly better recall at 0.99</a:t>
             </a:r>
           </a:p>
         </p:txBody>
@@ -34579,7 +34636,7 @@
                 <a:latin typeface="Arial" pitchFamily="34" charset="0"/>
                 <a:ea typeface="ＭＳ Ｐゴシック" charset="-128"/>
               </a:rPr>
-              <a:t>High recall: Of every 100 actual insurance purchases, the model could identify 93 purchases</a:t>
+              <a:t>High recall: Of every 100 actual insurance purchases, the model could identify 98 purchases</a:t>
             </a:r>
           </a:p>
           <a:p>
@@ -34608,7 +34665,27 @@
                 <a:latin typeface="Arial" pitchFamily="34" charset="0"/>
                 <a:ea typeface="ＭＳ Ｐゴシック" charset="-128"/>
               </a:rPr>
-              <a:t>Good Precision: for every 100 model identified purchases, 84 actually purchased</a:t>
+              <a:t>Good Precision: for every 100 model identified purchases</a:t>
+            </a:r>
+            <a:r>
+              <a:rPr lang="en-IN" sz="2400">
+                <a:solidFill>
+                  <a:srgbClr val="00646E"/>
+                </a:solidFill>
+                <a:latin typeface="Arial" pitchFamily="34" charset="0"/>
+                <a:ea typeface="ＭＳ Ｐゴシック" charset="-128"/>
+              </a:rPr>
+              <a:t>, 78 actually </a:t>
+            </a:r>
+            <a:r>
+              <a:rPr lang="en-IN" sz="2400" dirty="0">
+                <a:solidFill>
+                  <a:srgbClr val="00646E"/>
+                </a:solidFill>
+                <a:latin typeface="Arial" pitchFamily="34" charset="0"/>
+                <a:ea typeface="ＭＳ Ｐゴシック" charset="-128"/>
+              </a:rPr>
+              <a:t>purchased</a:t>
             </a:r>
           </a:p>
           <a:p>

--- a/Assignment_presentation_NB_V2.pptx
+++ b/Assignment_presentation_NB_V2.pptx
@@ -210,7 +210,7 @@
           <a:p>
             <a:fld id="{22758C3C-1473-42DE-A620-C66E6855DF69}" type="datetimeFigureOut">
               <a:rPr lang="en-IN" smtClean="0"/>
-              <a:t>27-02-2022</a:t>
+              <a:t>28-02-2022</a:t>
             </a:fld>
             <a:endParaRPr lang="en-IN"/>
           </a:p>
@@ -1129,7 +1129,7 @@
           <a:p>
             <a:fld id="{4499D903-E3D3-4E0E-80E3-613F2EE07397}" type="datetimeFigureOut">
               <a:rPr lang="en-IN" smtClean="0"/>
-              <a:t>27-02-2022</a:t>
+              <a:t>28-02-2022</a:t>
             </a:fld>
             <a:endParaRPr lang="en-IN"/>
           </a:p>
@@ -1391,7 +1391,7 @@
           <a:graphicData uri="http://schemas.openxmlformats.org/presentationml/2006/ole">
             <mc:AlternateContent xmlns:mc="http://schemas.openxmlformats.org/markup-compatibility/2006">
               <mc:Choice xmlns:v="urn:schemas-microsoft-com:vml" Requires="v">
-                <p:oleObj spid="_x0000_s2153" name="think-cell Slide" r:id="rId35" imgW="216" imgH="216" progId="TCLayout.ActiveDocument.1">
+                <p:oleObj spid="_x0000_s2155" name="think-cell Slide" r:id="rId35" imgW="216" imgH="216" progId="TCLayout.ActiveDocument.1">
                   <p:embed/>
                 </p:oleObj>
               </mc:Choice>
@@ -4829,7 +4829,7 @@
           <a:graphicData uri="http://schemas.openxmlformats.org/presentationml/2006/ole">
             <mc:AlternateContent xmlns:mc="http://schemas.openxmlformats.org/markup-compatibility/2006">
               <mc:Choice xmlns:v="urn:schemas-microsoft-com:vml" Requires="v">
-                <p:oleObj spid="_x0000_s9329" name="think-cell Slide" r:id="rId5" imgW="360" imgH="360" progId="TCLayout.ActiveDocument.1">
+                <p:oleObj spid="_x0000_s9331" name="think-cell Slide" r:id="rId5" imgW="360" imgH="360" progId="TCLayout.ActiveDocument.1">
                   <p:embed/>
                 </p:oleObj>
               </mc:Choice>
@@ -5318,7 +5318,7 @@
           <a:graphicData uri="http://schemas.openxmlformats.org/presentationml/2006/ole">
             <mc:AlternateContent xmlns:mc="http://schemas.openxmlformats.org/markup-compatibility/2006">
               <mc:Choice xmlns:v="urn:schemas-microsoft-com:vml" Requires="v">
-                <p:oleObj spid="_x0000_s14366" name="think-cell Slide" r:id="rId5" imgW="360" imgH="360" progId="TCLayout.ActiveDocument.1">
+                <p:oleObj spid="_x0000_s14368" name="think-cell Slide" r:id="rId5" imgW="360" imgH="360" progId="TCLayout.ActiveDocument.1">
                   <p:embed/>
                 </p:oleObj>
               </mc:Choice>
@@ -5802,7 +5802,7 @@
           <a:graphicData uri="http://schemas.openxmlformats.org/presentationml/2006/ole">
             <mc:AlternateContent xmlns:mc="http://schemas.openxmlformats.org/markup-compatibility/2006">
               <mc:Choice xmlns:v="urn:schemas-microsoft-com:vml" Requires="v">
-                <p:oleObj spid="_x0000_s12371" name="think-cell Slide" r:id="rId6" imgW="360" imgH="360" progId="TCLayout.ActiveDocument.1">
+                <p:oleObj spid="_x0000_s12373" name="think-cell Slide" r:id="rId6" imgW="360" imgH="360" progId="TCLayout.ActiveDocument.1">
                   <p:embed/>
                 </p:oleObj>
               </mc:Choice>
@@ -26585,7 +26585,7 @@
           <a:graphicData uri="http://schemas.openxmlformats.org/presentationml/2006/ole">
             <mc:AlternateContent xmlns:mc="http://schemas.openxmlformats.org/markup-compatibility/2006">
               <mc:Choice xmlns:v="urn:schemas-microsoft-com:vml" Requires="v">
-                <p:oleObj spid="_x0000_s3177" name="think-cell Slide" r:id="rId5" imgW="360" imgH="360" progId="TCLayout.ActiveDocument.1">
+                <p:oleObj spid="_x0000_s3179" name="think-cell Slide" r:id="rId5" imgW="360" imgH="360" progId="TCLayout.ActiveDocument.1">
                   <p:embed/>
                 </p:oleObj>
               </mc:Choice>
@@ -27339,7 +27339,7 @@
           <a:graphicData uri="http://schemas.openxmlformats.org/presentationml/2006/ole">
             <mc:AlternateContent xmlns:mc="http://schemas.openxmlformats.org/markup-compatibility/2006">
               <mc:Choice xmlns:v="urn:schemas-microsoft-com:vml" Requires="v">
-                <p:oleObj spid="_x0000_s8297" name="think-cell Slide" r:id="rId5" imgW="360" imgH="360" progId="TCLayout.ActiveDocument.1">
+                <p:oleObj spid="_x0000_s8299" name="think-cell Slide" r:id="rId5" imgW="360" imgH="360" progId="TCLayout.ActiveDocument.1">
                   <p:embed/>
                 </p:oleObj>
               </mc:Choice>
@@ -27979,7 +27979,7 @@
           <a:graphicData uri="http://schemas.openxmlformats.org/presentationml/2006/ole">
             <mc:AlternateContent xmlns:mc="http://schemas.openxmlformats.org/markup-compatibility/2006">
               <mc:Choice xmlns:v="urn:schemas-microsoft-com:vml" Requires="v">
-                <p:oleObj spid="_x0000_s13384" name="think-cell Slide" r:id="rId5" imgW="360" imgH="360" progId="TCLayout.ActiveDocument.1">
+                <p:oleObj spid="_x0000_s13386" name="think-cell Slide" r:id="rId5" imgW="360" imgH="360" progId="TCLayout.ActiveDocument.1">
                   <p:embed/>
                 </p:oleObj>
               </mc:Choice>
@@ -30161,7 +30161,7 @@
           <a:graphicData uri="http://schemas.openxmlformats.org/presentationml/2006/ole">
             <mc:AlternateContent xmlns:mc="http://schemas.openxmlformats.org/markup-compatibility/2006">
               <mc:Choice xmlns:v="urn:schemas-microsoft-com:vml" Requires="v">
-                <p:oleObj spid="_x0000_s4201" name="think-cell Slide" r:id="rId5" imgW="360" imgH="360" progId="TCLayout.ActiveDocument.1">
+                <p:oleObj spid="_x0000_s4203" name="think-cell Slide" r:id="rId5" imgW="360" imgH="360" progId="TCLayout.ActiveDocument.1">
                   <p:embed/>
                 </p:oleObj>
               </mc:Choice>
@@ -30736,7 +30736,7 @@
           <a:graphicData uri="http://schemas.openxmlformats.org/presentationml/2006/ole">
             <mc:AlternateContent xmlns:mc="http://schemas.openxmlformats.org/markup-compatibility/2006">
               <mc:Choice xmlns:v="urn:schemas-microsoft-com:vml" Requires="v">
-                <p:oleObj spid="_x0000_s5225" name="think-cell Slide" r:id="rId5" imgW="360" imgH="360" progId="TCLayout.ActiveDocument.1">
+                <p:oleObj spid="_x0000_s5227" name="think-cell Slide" r:id="rId5" imgW="360" imgH="360" progId="TCLayout.ActiveDocument.1">
                   <p:embed/>
                 </p:oleObj>
               </mc:Choice>
@@ -32681,7 +32681,7 @@
           <a:graphicData uri="http://schemas.openxmlformats.org/presentationml/2006/ole">
             <mc:AlternateContent xmlns:mc="http://schemas.openxmlformats.org/markup-compatibility/2006">
               <mc:Choice xmlns:v="urn:schemas-microsoft-com:vml" Requires="v">
-                <p:oleObj spid="_x0000_s7273" name="think-cell Slide" r:id="rId5" imgW="360" imgH="360" progId="TCLayout.ActiveDocument.1">
+                <p:oleObj spid="_x0000_s7275" name="think-cell Slide" r:id="rId5" imgW="360" imgH="360" progId="TCLayout.ActiveDocument.1">
                   <p:embed/>
                 </p:oleObj>
               </mc:Choice>
@@ -33300,7 +33300,7 @@
           <a:graphicData uri="http://schemas.openxmlformats.org/presentationml/2006/ole">
             <mc:AlternateContent xmlns:mc="http://schemas.openxmlformats.org/markup-compatibility/2006">
               <mc:Choice xmlns:v="urn:schemas-microsoft-com:vml" Requires="v">
-                <p:oleObj spid="_x0000_s6269" name="think-cell Slide" r:id="rId5" imgW="360" imgH="360" progId="TCLayout.ActiveDocument.1">
+                <p:oleObj spid="_x0000_s6273" name="think-cell Slide" r:id="rId5" imgW="360" imgH="360" progId="TCLayout.ActiveDocument.1">
                   <p:embed/>
                 </p:oleObj>
               </mc:Choice>
@@ -33958,7 +33958,7 @@
                 <a:latin typeface="Arial" pitchFamily="34" charset="0"/>
                 <a:ea typeface="ＭＳ Ｐゴシック" charset="-128"/>
               </a:rPr>
-              <a:t>AUC: 0.95   Precision: 0.88    Recall: 0.91</a:t>
+              <a:t>AUC: 0.91  Precision: 0.89    Recall: 0.83</a:t>
             </a:r>
           </a:p>
         </p:txBody>
@@ -34421,10 +34421,10 @@
       </p:sp>
       <p:pic>
         <p:nvPicPr>
-          <p:cNvPr id="6242" name="Picture 98">
+          <p:cNvPr id="6255" name="Picture 111">
             <a:extLst>
               <a:ext uri="{FF2B5EF4-FFF2-40B4-BE49-F238E27FC236}">
-                <a16:creationId xmlns:a16="http://schemas.microsoft.com/office/drawing/2014/main" id="{8E22E935-28B2-491D-BF99-164E3A2B1AAB}"/>
+                <a16:creationId xmlns:a16="http://schemas.microsoft.com/office/drawing/2014/main" id="{39B39380-2D2F-422A-8DF2-5528C8A50B7F}"/>
               </a:ext>
             </a:extLst>
           </p:cNvPr>
@@ -34448,8 +34448,8 @@
         </p:blipFill>
         <p:spPr bwMode="auto">
           <a:xfrm>
-            <a:off x="6711183" y="2066744"/>
-            <a:ext cx="4347843" cy="3651073"/>
+            <a:off x="990600" y="2181225"/>
+            <a:ext cx="4217020" cy="3541216"/>
           </a:xfrm>
           <a:prstGeom prst="rect">
             <a:avLst/>
@@ -34468,10 +34468,10 @@
       </p:pic>
       <p:pic>
         <p:nvPicPr>
-          <p:cNvPr id="6255" name="Picture 111">
+          <p:cNvPr id="6271" name="Picture 127">
             <a:extLst>
               <a:ext uri="{FF2B5EF4-FFF2-40B4-BE49-F238E27FC236}">
-                <a16:creationId xmlns:a16="http://schemas.microsoft.com/office/drawing/2014/main" id="{39B39380-2D2F-422A-8DF2-5528C8A50B7F}"/>
+                <a16:creationId xmlns:a16="http://schemas.microsoft.com/office/drawing/2014/main" id="{63809A55-A539-4708-A862-9D1323DCB6E8}"/>
               </a:ext>
             </a:extLst>
           </p:cNvPr>
@@ -34495,8 +34495,8 @@
         </p:blipFill>
         <p:spPr bwMode="auto">
           <a:xfrm>
-            <a:off x="990600" y="2181225"/>
-            <a:ext cx="4217020" cy="3541216"/>
+            <a:off x="6731504" y="2295705"/>
+            <a:ext cx="4160016" cy="3493347"/>
           </a:xfrm>
           <a:prstGeom prst="rect">
             <a:avLst/>
@@ -34578,7 +34578,7 @@
             </a:br>
             <a:r>
               <a:rPr lang="en-IN" dirty="0"/>
-              <a:t>XG boost has a slightly better recall at 0.99</a:t>
+              <a:t>XG boost has a much better recall at 0.98</a:t>
             </a:r>
           </a:p>
         </p:txBody>
@@ -36202,28 +36202,28 @@
 
 <file path=customXml/item1.xml><?xml version="1.0" encoding="utf-8"?>
 <p4ppTags>
+  <Name>One object (small)</Name>
+  <PpLayout>16</PpLayout>
+  <Index>11</Index>
+</p4ppTags>
+</file>
+
+<file path=customXml/item2.xml><?xml version="1.0" encoding="utf-8"?>
+<p4ppTags>
   <Name>Free Content</Name>
   <PpLayout>11</PpLayout>
   <Index>9</Index>
 </p4ppTags>
 </file>
 
-<file path=customXml/item2.xml><?xml version="1.0" encoding="utf-8"?>
-<p4ppTags>
-  <Name>One object (small)</Name>
-  <PpLayout>16</PpLayout>
-  <Index>11</Index>
-</p4ppTags>
-</file>
-
 <file path=customXml/itemProps1.xml><?xml version="1.0" encoding="utf-8"?>
-<ds:datastoreItem xmlns:ds="http://schemas.openxmlformats.org/officeDocument/2006/customXml" ds:itemID="{89B836C0-488A-4A82-B92E-EFD609EEBF3C}">
+<ds:datastoreItem xmlns:ds="http://schemas.openxmlformats.org/officeDocument/2006/customXml" ds:itemID="{528BC10D-E65D-4EA2-BEB6-E9B9A939BB77}">
   <ds:schemaRefs/>
 </ds:datastoreItem>
 </file>
 
 <file path=customXml/itemProps2.xml><?xml version="1.0" encoding="utf-8"?>
-<ds:datastoreItem xmlns:ds="http://schemas.openxmlformats.org/officeDocument/2006/customXml" ds:itemID="{528BC10D-E65D-4EA2-BEB6-E9B9A939BB77}">
+<ds:datastoreItem xmlns:ds="http://schemas.openxmlformats.org/officeDocument/2006/customXml" ds:itemID="{89B836C0-488A-4A82-B92E-EFD609EEBF3C}">
   <ds:schemaRefs/>
 </ds:datastoreItem>
 </file>